--- a/JavaScript/Week3/Week3.pptx
+++ b/JavaScript/Week3/Week3.pptx
@@ -277,7 +277,7 @@
           <a:p>
             <a:fld id="{F28A4246-F2A7-4220-A405-8A96DAE08D6A}" type="datetimeFigureOut">
               <a:rPr lang="en-US" smtClean="0"/>
-              <a:t>5/13/25</a:t>
+              <a:t>9/17/2025</a:t>
             </a:fld>
             <a:endParaRPr lang="en-US"/>
           </a:p>
@@ -447,7 +447,7 @@
           <a:p>
             <a:fld id="{F28A4246-F2A7-4220-A405-8A96DAE08D6A}" type="datetimeFigureOut">
               <a:rPr lang="en-US" smtClean="0"/>
-              <a:t>5/13/25</a:t>
+              <a:t>9/17/2025</a:t>
             </a:fld>
             <a:endParaRPr lang="en-US"/>
           </a:p>
@@ -627,7 +627,7 @@
           <a:p>
             <a:fld id="{F28A4246-F2A7-4220-A405-8A96DAE08D6A}" type="datetimeFigureOut">
               <a:rPr lang="en-US" smtClean="0"/>
-              <a:t>5/13/25</a:t>
+              <a:t>9/17/2025</a:t>
             </a:fld>
             <a:endParaRPr lang="en-US"/>
           </a:p>
@@ -797,7 +797,7 @@
           <a:p>
             <a:fld id="{F28A4246-F2A7-4220-A405-8A96DAE08D6A}" type="datetimeFigureOut">
               <a:rPr lang="en-US" smtClean="0"/>
-              <a:t>5/13/25</a:t>
+              <a:t>9/17/2025</a:t>
             </a:fld>
             <a:endParaRPr lang="en-US"/>
           </a:p>
@@ -1043,7 +1043,7 @@
           <a:p>
             <a:fld id="{F28A4246-F2A7-4220-A405-8A96DAE08D6A}" type="datetimeFigureOut">
               <a:rPr lang="en-US" smtClean="0"/>
-              <a:t>5/13/25</a:t>
+              <a:t>9/17/2025</a:t>
             </a:fld>
             <a:endParaRPr lang="en-US"/>
           </a:p>
@@ -1275,7 +1275,7 @@
           <a:p>
             <a:fld id="{F28A4246-F2A7-4220-A405-8A96DAE08D6A}" type="datetimeFigureOut">
               <a:rPr lang="en-US" smtClean="0"/>
-              <a:t>5/13/25</a:t>
+              <a:t>9/17/2025</a:t>
             </a:fld>
             <a:endParaRPr lang="en-US"/>
           </a:p>
@@ -1642,7 +1642,7 @@
           <a:p>
             <a:fld id="{F28A4246-F2A7-4220-A405-8A96DAE08D6A}" type="datetimeFigureOut">
               <a:rPr lang="en-US" smtClean="0"/>
-              <a:t>5/13/25</a:t>
+              <a:t>9/17/2025</a:t>
             </a:fld>
             <a:endParaRPr lang="en-US"/>
           </a:p>
@@ -1760,7 +1760,7 @@
           <a:p>
             <a:fld id="{F28A4246-F2A7-4220-A405-8A96DAE08D6A}" type="datetimeFigureOut">
               <a:rPr lang="en-US" smtClean="0"/>
-              <a:t>5/13/25</a:t>
+              <a:t>9/17/2025</a:t>
             </a:fld>
             <a:endParaRPr lang="en-US"/>
           </a:p>
@@ -1855,7 +1855,7 @@
           <a:p>
             <a:fld id="{F28A4246-F2A7-4220-A405-8A96DAE08D6A}" type="datetimeFigureOut">
               <a:rPr lang="en-US" smtClean="0"/>
-              <a:t>5/13/25</a:t>
+              <a:t>9/17/2025</a:t>
             </a:fld>
             <a:endParaRPr lang="en-US"/>
           </a:p>
@@ -2132,7 +2132,7 @@
           <a:p>
             <a:fld id="{F28A4246-F2A7-4220-A405-8A96DAE08D6A}" type="datetimeFigureOut">
               <a:rPr lang="en-US" smtClean="0"/>
-              <a:t>5/13/25</a:t>
+              <a:t>9/17/2025</a:t>
             </a:fld>
             <a:endParaRPr lang="en-US"/>
           </a:p>
@@ -2389,7 +2389,7 @@
           <a:p>
             <a:fld id="{F28A4246-F2A7-4220-A405-8A96DAE08D6A}" type="datetimeFigureOut">
               <a:rPr lang="en-US" smtClean="0"/>
-              <a:t>5/13/25</a:t>
+              <a:t>9/17/2025</a:t>
             </a:fld>
             <a:endParaRPr lang="en-US"/>
           </a:p>
@@ -2602,7 +2602,7 @@
           <a:p>
             <a:fld id="{F28A4246-F2A7-4220-A405-8A96DAE08D6A}" type="datetimeFigureOut">
               <a:rPr lang="en-US" smtClean="0"/>
-              <a:t>5/13/25</a:t>
+              <a:t>9/17/2025</a:t>
             </a:fld>
             <a:endParaRPr lang="en-US"/>
           </a:p>
@@ -4841,7 +4841,11 @@
           </a:p>
           <a:p>
             <a:r>
-              <a:rPr lang="en-US" dirty="0"/>
+              <a:rPr lang="en-US" dirty="0">
+                <a:solidFill>
+                  <a:srgbClr val="FF0000"/>
+                </a:solidFill>
+              </a:rPr>
               <a:t>For example, function declarations are hoisted completely, which means we can call a function before we declare it.</a:t>
             </a:r>
           </a:p>
@@ -5387,7 +5391,15 @@
           <a:p>
             <a:r>
               <a:rPr lang="en-US" dirty="0"/>
-              <a:t>let s3 = new String("Some Text"); //appropriate way to create STRING OBJECT..</a:t>
+              <a:t>let s3 = new String("Some Text"); //</a:t>
+            </a:r>
+            <a:r>
+              <a:rPr lang="en-US" dirty="0">
+                <a:solidFill>
+                  <a:srgbClr val="FF0000"/>
+                </a:solidFill>
+              </a:rPr>
+              <a:t>appropriate way to create STRING OBJECT..</a:t>
             </a:r>
           </a:p>
           <a:p>

--- a/JavaScript/Week3/Week3.pptx
+++ b/JavaScript/Week3/Week3.pptx
@@ -277,7 +277,7 @@
           <a:p>
             <a:fld id="{F28A4246-F2A7-4220-A405-8A96DAE08D6A}" type="datetimeFigureOut">
               <a:rPr lang="en-US" smtClean="0"/>
-              <a:t>9/17/2025</a:t>
+              <a:t>9/23/2025</a:t>
             </a:fld>
             <a:endParaRPr lang="en-US"/>
           </a:p>
@@ -447,7 +447,7 @@
           <a:p>
             <a:fld id="{F28A4246-F2A7-4220-A405-8A96DAE08D6A}" type="datetimeFigureOut">
               <a:rPr lang="en-US" smtClean="0"/>
-              <a:t>9/17/2025</a:t>
+              <a:t>9/23/2025</a:t>
             </a:fld>
             <a:endParaRPr lang="en-US"/>
           </a:p>
@@ -627,7 +627,7 @@
           <a:p>
             <a:fld id="{F28A4246-F2A7-4220-A405-8A96DAE08D6A}" type="datetimeFigureOut">
               <a:rPr lang="en-US" smtClean="0"/>
-              <a:t>9/17/2025</a:t>
+              <a:t>9/23/2025</a:t>
             </a:fld>
             <a:endParaRPr lang="en-US"/>
           </a:p>
@@ -797,7 +797,7 @@
           <a:p>
             <a:fld id="{F28A4246-F2A7-4220-A405-8A96DAE08D6A}" type="datetimeFigureOut">
               <a:rPr lang="en-US" smtClean="0"/>
-              <a:t>9/17/2025</a:t>
+              <a:t>9/23/2025</a:t>
             </a:fld>
             <a:endParaRPr lang="en-US"/>
           </a:p>
@@ -1043,7 +1043,7 @@
           <a:p>
             <a:fld id="{F28A4246-F2A7-4220-A405-8A96DAE08D6A}" type="datetimeFigureOut">
               <a:rPr lang="en-US" smtClean="0"/>
-              <a:t>9/17/2025</a:t>
+              <a:t>9/23/2025</a:t>
             </a:fld>
             <a:endParaRPr lang="en-US"/>
           </a:p>
@@ -1275,7 +1275,7 @@
           <a:p>
             <a:fld id="{F28A4246-F2A7-4220-A405-8A96DAE08D6A}" type="datetimeFigureOut">
               <a:rPr lang="en-US" smtClean="0"/>
-              <a:t>9/17/2025</a:t>
+              <a:t>9/23/2025</a:t>
             </a:fld>
             <a:endParaRPr lang="en-US"/>
           </a:p>
@@ -1642,7 +1642,7 @@
           <a:p>
             <a:fld id="{F28A4246-F2A7-4220-A405-8A96DAE08D6A}" type="datetimeFigureOut">
               <a:rPr lang="en-US" smtClean="0"/>
-              <a:t>9/17/2025</a:t>
+              <a:t>9/23/2025</a:t>
             </a:fld>
             <a:endParaRPr lang="en-US"/>
           </a:p>
@@ -1760,7 +1760,7 @@
           <a:p>
             <a:fld id="{F28A4246-F2A7-4220-A405-8A96DAE08D6A}" type="datetimeFigureOut">
               <a:rPr lang="en-US" smtClean="0"/>
-              <a:t>9/17/2025</a:t>
+              <a:t>9/23/2025</a:t>
             </a:fld>
             <a:endParaRPr lang="en-US"/>
           </a:p>
@@ -1855,7 +1855,7 @@
           <a:p>
             <a:fld id="{F28A4246-F2A7-4220-A405-8A96DAE08D6A}" type="datetimeFigureOut">
               <a:rPr lang="en-US" smtClean="0"/>
-              <a:t>9/17/2025</a:t>
+              <a:t>9/23/2025</a:t>
             </a:fld>
             <a:endParaRPr lang="en-US"/>
           </a:p>
@@ -2132,7 +2132,7 @@
           <a:p>
             <a:fld id="{F28A4246-F2A7-4220-A405-8A96DAE08D6A}" type="datetimeFigureOut">
               <a:rPr lang="en-US" smtClean="0"/>
-              <a:t>9/17/2025</a:t>
+              <a:t>9/23/2025</a:t>
             </a:fld>
             <a:endParaRPr lang="en-US"/>
           </a:p>
@@ -2389,7 +2389,7 @@
           <a:p>
             <a:fld id="{F28A4246-F2A7-4220-A405-8A96DAE08D6A}" type="datetimeFigureOut">
               <a:rPr lang="en-US" smtClean="0"/>
-              <a:t>9/17/2025</a:t>
+              <a:t>9/23/2025</a:t>
             </a:fld>
             <a:endParaRPr lang="en-US"/>
           </a:p>
@@ -2602,7 +2602,7 @@
           <a:p>
             <a:fld id="{F28A4246-F2A7-4220-A405-8A96DAE08D6A}" type="datetimeFigureOut">
               <a:rPr lang="en-US" smtClean="0"/>
-              <a:t>9/17/2025</a:t>
+              <a:t>9/23/2025</a:t>
             </a:fld>
             <a:endParaRPr lang="en-US"/>
           </a:p>
@@ -6082,7 +6082,7 @@
         <p:spPr/>
         <p:txBody>
           <a:bodyPr>
-            <a:normAutofit lnSpcReduction="10000"/>
+            <a:normAutofit fontScale="92500" lnSpcReduction="10000"/>
           </a:bodyPr>
           <a:lstStyle/>
           <a:p>
@@ -6129,12 +6129,20 @@
           </a:p>
           <a:p>
             <a:r>
-              <a:rPr lang="en-US" dirty="0" err="1"/>
+              <a:rPr lang="en-US" b="1" dirty="0" err="1">
+                <a:solidFill>
+                  <a:srgbClr val="FF0000"/>
+                </a:solidFill>
+              </a:rPr>
               <a:t>arr.join</a:t>
             </a:r>
             <a:r>
-              <a:rPr lang="en-US" dirty="0"/>
-              <a:t>("\n") - returns a string created by joining (concatenating) all elements in the array with the given delimiter (String).</a:t>
+              <a:rPr lang="en-US" b="1" dirty="0">
+                <a:solidFill>
+                  <a:srgbClr val="FF0000"/>
+                </a:solidFill>
+              </a:rPr>
+              <a:t>("\n") - returns a string created by joining (concatenating) all elements in the array with the given delimiter (String).[join and split are opposite to each other]</a:t>
             </a:r>
           </a:p>
         </p:txBody>
